--- a/ПЕРЕЗАПУСК_Защита проекта.pptx
+++ b/ПЕРЕЗАПУСК_Защита проекта.pptx
@@ -992,7 +992,7 @@
           <a:p>
             <a:fld id="{4583FB6F-ACA5-4987-9D7D-422181772236}" type="datetimeFigureOut">
               <a:rPr lang="ru-RU" smtClean="0"/>
-              <a:t>24.10.2021</a:t>
+              <a:t>25.10.2021</a:t>
             </a:fld>
             <a:endParaRPr lang="ru-RU"/>
           </a:p>
@@ -2098,7 +2098,7 @@
           <a:p>
             <a:fld id="{4583FB6F-ACA5-4987-9D7D-422181772236}" type="datetimeFigureOut">
               <a:rPr lang="ru-RU" smtClean="0"/>
-              <a:t>24.10.2021</a:t>
+              <a:t>25.10.2021</a:t>
             </a:fld>
             <a:endParaRPr lang="ru-RU"/>
           </a:p>
@@ -2309,7 +2309,7 @@
           <a:p>
             <a:fld id="{4583FB6F-ACA5-4987-9D7D-422181772236}" type="datetimeFigureOut">
               <a:rPr lang="ru-RU" smtClean="0"/>
-              <a:t>24.10.2021</a:t>
+              <a:t>25.10.2021</a:t>
             </a:fld>
             <a:endParaRPr lang="ru-RU"/>
           </a:p>
@@ -2770,13 +2770,13 @@
         </p:spPr>
         <p:txBody>
           <a:bodyPr>
-            <a:normAutofit/>
+            <a:normAutofit fontScale="90000"/>
           </a:bodyPr>
           <a:lstStyle/>
           <a:p>
             <a:r>
               <a:rPr lang="ru-RU" sz="4000" b="1" dirty="0"/>
-              <a:t>Название проекта</a:t>
+              <a:t>Поиск подходящих вакансий</a:t>
             </a:r>
           </a:p>
         </p:txBody>
@@ -3352,7 +3352,7 @@
         <p:spPr/>
         <p:txBody>
           <a:bodyPr>
-            <a:normAutofit/>
+            <a:normAutofit lnSpcReduction="10000"/>
           </a:bodyPr>
           <a:lstStyle/>
           <a:p>
@@ -3365,7 +3365,29 @@
                   </a:schemeClr>
                 </a:solidFill>
               </a:rPr>
-              <a:t>Выгрузка описаний вакансий с сайта</a:t>
+              <a:t>Выгрузка описаний вакансий </a:t>
+            </a:r>
+            <a:r>
+              <a:rPr lang="ru-RU" i="1" dirty="0" err="1">
+                <a:solidFill>
+                  <a:schemeClr val="tx1">
+                    <a:lumMod val="65000"/>
+                    <a:lumOff val="35000"/>
+                  </a:schemeClr>
+                </a:solidFill>
+              </a:rPr>
+              <a:t>Сбера</a:t>
+            </a:r>
+            <a:r>
+              <a:rPr lang="ru-RU" i="1" dirty="0">
+                <a:solidFill>
+                  <a:schemeClr val="tx1">
+                    <a:lumMod val="65000"/>
+                    <a:lumOff val="35000"/>
+                  </a:schemeClr>
+                </a:solidFill>
+              </a:rPr>
+              <a:t> в г. Екатеринбург с сайта</a:t>
             </a:r>
             <a:r>
               <a:rPr lang="en-US" i="1" dirty="0">
@@ -3560,7 +3582,13 @@
       </p:sp>
       <p:sp>
         <p:nvSpPr>
-          <p:cNvPr id="3" name="Объект 2"/>
+          <p:cNvPr id="7" name="Объект 6">
+            <a:extLst>
+              <a:ext uri="{FF2B5EF4-FFF2-40B4-BE49-F238E27FC236}">
+                <a16:creationId xmlns:a16="http://schemas.microsoft.com/office/drawing/2014/main" id="{487122B7-ED60-482F-ADBF-710455B137AC}"/>
+              </a:ext>
+            </a:extLst>
+          </p:cNvPr>
           <p:cNvSpPr>
             <a:spLocks noGrp="1"/>
           </p:cNvSpPr>
@@ -3568,22 +3596,83 @@
             <p:ph idx="1"/>
           </p:nvPr>
         </p:nvSpPr>
-        <p:spPr/>
-        <p:txBody>
-          <a:bodyPr/>
+        <p:spPr>
+          <a:xfrm>
+            <a:off x="1151507" y="1410393"/>
+            <a:ext cx="10202293" cy="971381"/>
+          </a:xfrm>
+        </p:spPr>
+        <p:txBody>
+          <a:bodyPr>
+            <a:noAutofit/>
+          </a:bodyPr>
           <a:lstStyle/>
           <a:p>
-            <a:endParaRPr lang="ru-RU" i="1" dirty="0">
-              <a:solidFill>
-                <a:schemeClr val="tx1">
-                  <a:lumMod val="65000"/>
-                  <a:lumOff val="35000"/>
-                </a:schemeClr>
-              </a:solidFill>
-            </a:endParaRPr>
-          </a:p>
-        </p:txBody>
-      </p:sp>
+            <a:pPr marL="0" indent="0">
+              <a:buNone/>
+            </a:pPr>
+            <a:r>
+              <a:rPr lang="ru-RU" sz="1800" i="1" dirty="0"/>
+              <a:t>Пример для поиска: </a:t>
+            </a:r>
+          </a:p>
+          <a:p>
+            <a:pPr marL="0" indent="0">
+              <a:buNone/>
+            </a:pPr>
+            <a:r>
+              <a:rPr lang="ru-RU" sz="1800" i="1" dirty="0"/>
+              <a:t>сбор данных из внутренних и внешних источников, подготовка данных к анализу, разработка моделей обработки и анализа данных, в том числе с применением алгоритмов машинного обучения в рамках аудиторских проверок.</a:t>
+            </a:r>
+          </a:p>
+          <a:p>
+            <a:pPr marL="0" indent="0">
+              <a:buNone/>
+            </a:pPr>
+            <a:r>
+              <a:rPr lang="ru-RU" sz="1800" i="1" dirty="0"/>
+              <a:t>Результат поиска ТОП 10 подходящих вакансий</a:t>
+            </a:r>
+            <a:r>
+              <a:rPr lang="en-US" sz="1800" i="1" dirty="0"/>
+              <a:t> </a:t>
+            </a:r>
+            <a:r>
+              <a:rPr lang="ru-RU" sz="1800" i="1" dirty="0"/>
+              <a:t>в г. Екатеринбург:</a:t>
+            </a:r>
+          </a:p>
+        </p:txBody>
+      </p:sp>
+      <p:pic>
+        <p:nvPicPr>
+          <p:cNvPr id="10" name="Рисунок 9">
+            <a:extLst>
+              <a:ext uri="{FF2B5EF4-FFF2-40B4-BE49-F238E27FC236}">
+                <a16:creationId xmlns:a16="http://schemas.microsoft.com/office/drawing/2014/main" id="{BCF02961-A5F2-42F7-AF8C-0CCABE8FEA79}"/>
+              </a:ext>
+            </a:extLst>
+          </p:cNvPr>
+          <p:cNvPicPr>
+            <a:picLocks noChangeAspect="1"/>
+          </p:cNvPicPr>
+          <p:nvPr/>
+        </p:nvPicPr>
+        <p:blipFill rotWithShape="1">
+          <a:blip r:embed="rId2"/>
+          <a:srcRect l="23447" t="46731" r="41528" b="23236"/>
+          <a:stretch/>
+        </p:blipFill>
+        <p:spPr>
+          <a:xfrm>
+            <a:off x="1651245" y="3031707"/>
+            <a:ext cx="7599286" cy="3665354"/>
+          </a:xfrm>
+          <a:prstGeom prst="rect">
+            <a:avLst/>
+          </a:prstGeom>
+        </p:spPr>
+      </p:pic>
     </p:spTree>
     <p:extLst>
       <p:ext uri="{BB962C8B-B14F-4D97-AF65-F5344CB8AC3E}">
@@ -3654,7 +3743,7 @@
         <p:spPr/>
         <p:txBody>
           <a:bodyPr>
-            <a:normAutofit/>
+            <a:normAutofit lnSpcReduction="10000"/>
           </a:bodyPr>
           <a:lstStyle/>
           <a:p>
@@ -3667,7 +3756,362 @@
                   </a:schemeClr>
                 </a:solidFill>
               </a:rPr>
-              <a:t>Перечислите используемые технологии</a:t>
+              <a:t>Библиотеки </a:t>
+            </a:r>
+            <a:r>
+              <a:rPr lang="en-US" i="1" dirty="0">
+                <a:solidFill>
+                  <a:schemeClr val="tx1">
+                    <a:lumMod val="65000"/>
+                    <a:lumOff val="35000"/>
+                  </a:schemeClr>
+                </a:solidFill>
+              </a:rPr>
+              <a:t>Python</a:t>
+            </a:r>
+            <a:r>
+              <a:rPr lang="ru-RU" i="1" dirty="0">
+                <a:solidFill>
+                  <a:schemeClr val="tx1">
+                    <a:lumMod val="65000"/>
+                    <a:lumOff val="35000"/>
+                  </a:schemeClr>
+                </a:solidFill>
+              </a:rPr>
+              <a:t>:</a:t>
+            </a:r>
+          </a:p>
+          <a:p>
+            <a:pPr lvl="1"/>
+            <a:r>
+              <a:rPr lang="en-US" b="1" i="1" dirty="0">
+                <a:solidFill>
+                  <a:schemeClr val="tx1">
+                    <a:lumMod val="65000"/>
+                    <a:lumOff val="35000"/>
+                  </a:schemeClr>
+                </a:solidFill>
+              </a:rPr>
+              <a:t>Requests</a:t>
+            </a:r>
+            <a:r>
+              <a:rPr lang="ru-RU" i="1" dirty="0">
+                <a:solidFill>
+                  <a:schemeClr val="tx1">
+                    <a:lumMod val="65000"/>
+                    <a:lumOff val="35000"/>
+                  </a:schemeClr>
+                </a:solidFill>
+              </a:rPr>
+              <a:t> - дает возможность посылать HTTP запросы, используя Python</a:t>
+            </a:r>
+            <a:endParaRPr lang="en-US" i="1" dirty="0">
+              <a:solidFill>
+                <a:schemeClr val="tx1">
+                  <a:lumMod val="65000"/>
+                  <a:lumOff val="35000"/>
+                </a:schemeClr>
+              </a:solidFill>
+            </a:endParaRPr>
+          </a:p>
+          <a:p>
+            <a:pPr lvl="1"/>
+            <a:r>
+              <a:rPr lang="en-US" b="1" i="1" dirty="0">
+                <a:solidFill>
+                  <a:schemeClr val="tx1">
+                    <a:lumMod val="65000"/>
+                    <a:lumOff val="35000"/>
+                  </a:schemeClr>
+                </a:solidFill>
+              </a:rPr>
+              <a:t>import re</a:t>
+            </a:r>
+            <a:r>
+              <a:rPr lang="ru-RU" b="1" i="1" dirty="0">
+                <a:solidFill>
+                  <a:schemeClr val="tx1">
+                    <a:lumMod val="65000"/>
+                    <a:lumOff val="35000"/>
+                  </a:schemeClr>
+                </a:solidFill>
+              </a:rPr>
+              <a:t> </a:t>
+            </a:r>
+            <a:r>
+              <a:rPr lang="ru-RU" i="1" dirty="0">
+                <a:solidFill>
+                  <a:schemeClr val="tx1">
+                    <a:lumMod val="65000"/>
+                    <a:lumOff val="35000"/>
+                  </a:schemeClr>
+                </a:solidFill>
+              </a:rPr>
+              <a:t>- регулярные выражения, язык для работы с текстом. Он позволяет производить поиск, замену и другие операции.</a:t>
+            </a:r>
+            <a:endParaRPr lang="en-US" i="1" dirty="0">
+              <a:solidFill>
+                <a:schemeClr val="tx1">
+                  <a:lumMod val="65000"/>
+                  <a:lumOff val="35000"/>
+                </a:schemeClr>
+              </a:solidFill>
+            </a:endParaRPr>
+          </a:p>
+          <a:p>
+            <a:pPr lvl="1"/>
+            <a:r>
+              <a:rPr lang="en-US" b="1" i="1" dirty="0">
+                <a:solidFill>
+                  <a:schemeClr val="tx1">
+                    <a:lumMod val="65000"/>
+                    <a:lumOff val="35000"/>
+                  </a:schemeClr>
+                </a:solidFill>
+              </a:rPr>
+              <a:t>Pymorphy2</a:t>
+            </a:r>
+            <a:r>
+              <a:rPr lang="ru-RU" i="1" dirty="0">
+                <a:solidFill>
+                  <a:schemeClr val="tx1">
+                    <a:lumMod val="65000"/>
+                    <a:lumOff val="35000"/>
+                  </a:schemeClr>
+                </a:solidFill>
+              </a:rPr>
+              <a:t> - морфологический анализатор для русского языка</a:t>
+            </a:r>
+            <a:endParaRPr lang="en-US" i="1" dirty="0">
+              <a:solidFill>
+                <a:schemeClr val="tx1">
+                  <a:lumMod val="65000"/>
+                  <a:lumOff val="35000"/>
+                </a:schemeClr>
+              </a:solidFill>
+            </a:endParaRPr>
+          </a:p>
+          <a:p>
+            <a:pPr lvl="1"/>
+            <a:r>
+              <a:rPr lang="en-US" b="1" i="1" dirty="0" err="1">
+                <a:solidFill>
+                  <a:schemeClr val="tx1">
+                    <a:lumMod val="65000"/>
+                    <a:lumOff val="35000"/>
+                  </a:schemeClr>
+                </a:solidFill>
+              </a:rPr>
+              <a:t>nltk</a:t>
+            </a:r>
+            <a:r>
+              <a:rPr lang="ru-RU" i="1" dirty="0">
+                <a:solidFill>
+                  <a:schemeClr val="tx1">
+                    <a:lumMod val="65000"/>
+                    <a:lumOff val="35000"/>
+                  </a:schemeClr>
+                </a:solidFill>
+              </a:rPr>
+              <a:t> - используются для анализа текста, предоставляя компьютерам возможность понять человеческий язык</a:t>
+            </a:r>
+            <a:endParaRPr lang="en-US" i="1" dirty="0">
+              <a:solidFill>
+                <a:schemeClr val="tx1">
+                  <a:lumMod val="65000"/>
+                  <a:lumOff val="35000"/>
+                </a:schemeClr>
+              </a:solidFill>
+            </a:endParaRPr>
+          </a:p>
+          <a:p>
+            <a:pPr lvl="1"/>
+            <a:r>
+              <a:rPr lang="en-US" b="1" i="1" dirty="0">
+                <a:solidFill>
+                  <a:schemeClr val="tx1">
+                    <a:lumMod val="65000"/>
+                    <a:lumOff val="35000"/>
+                  </a:schemeClr>
+                </a:solidFill>
+              </a:rPr>
+              <a:t>from </a:t>
+            </a:r>
+            <a:r>
+              <a:rPr lang="en-US" b="1" i="1" dirty="0" err="1">
+                <a:solidFill>
+                  <a:schemeClr val="tx1">
+                    <a:lumMod val="65000"/>
+                    <a:lumOff val="35000"/>
+                  </a:schemeClr>
+                </a:solidFill>
+              </a:rPr>
+              <a:t>sklearn.feature_extraction.text</a:t>
+            </a:r>
+            <a:r>
+              <a:rPr lang="en-US" b="1" i="1" dirty="0">
+                <a:solidFill>
+                  <a:schemeClr val="tx1">
+                    <a:lumMod val="65000"/>
+                    <a:lumOff val="35000"/>
+                  </a:schemeClr>
+                </a:solidFill>
+              </a:rPr>
+              <a:t> import </a:t>
+            </a:r>
+            <a:r>
+              <a:rPr lang="en-US" b="1" i="1" dirty="0" err="1">
+                <a:solidFill>
+                  <a:schemeClr val="tx1">
+                    <a:lumMod val="65000"/>
+                    <a:lumOff val="35000"/>
+                  </a:schemeClr>
+                </a:solidFill>
+              </a:rPr>
+              <a:t>TfidfVectorizer</a:t>
+            </a:r>
+            <a:r>
+              <a:rPr lang="ru-RU" b="1" i="1" dirty="0">
+                <a:solidFill>
+                  <a:schemeClr val="tx1">
+                    <a:lumMod val="65000"/>
+                    <a:lumOff val="35000"/>
+                  </a:schemeClr>
+                </a:solidFill>
+              </a:rPr>
+              <a:t> </a:t>
+            </a:r>
+            <a:r>
+              <a:rPr lang="ru-RU" i="1" dirty="0">
+                <a:solidFill>
+                  <a:schemeClr val="tx1">
+                    <a:lumMod val="65000"/>
+                    <a:lumOff val="35000"/>
+                  </a:schemeClr>
+                </a:solidFill>
+              </a:rPr>
+              <a:t>- модуль для расчета частоты слов (</a:t>
+            </a:r>
+            <a:r>
+              <a:rPr lang="ru-RU" i="1" dirty="0" err="1">
+                <a:solidFill>
+                  <a:schemeClr val="tx1">
+                    <a:lumMod val="65000"/>
+                    <a:lumOff val="35000"/>
+                  </a:schemeClr>
+                </a:solidFill>
+              </a:rPr>
+              <a:t>TfidfVectorizer</a:t>
+            </a:r>
+            <a:r>
+              <a:rPr lang="ru-RU" i="1" dirty="0">
+                <a:solidFill>
+                  <a:schemeClr val="tx1">
+                    <a:lumMod val="65000"/>
+                    <a:lumOff val="35000"/>
+                  </a:schemeClr>
+                </a:solidFill>
+              </a:rPr>
+              <a:t>) из библиотеки </a:t>
+            </a:r>
+            <a:r>
+              <a:rPr lang="ru-RU" i="1" dirty="0" err="1">
+                <a:solidFill>
+                  <a:schemeClr val="tx1">
+                    <a:lumMod val="65000"/>
+                    <a:lumOff val="35000"/>
+                  </a:schemeClr>
+                </a:solidFill>
+              </a:rPr>
+              <a:t>sklearn</a:t>
+            </a:r>
+            <a:r>
+              <a:rPr lang="ru-RU" i="1" dirty="0">
+                <a:solidFill>
+                  <a:schemeClr val="tx1">
+                    <a:lumMod val="65000"/>
+                    <a:lumOff val="35000"/>
+                  </a:schemeClr>
+                </a:solidFill>
+              </a:rPr>
+              <a:t> </a:t>
+            </a:r>
+            <a:endParaRPr lang="en-US" i="1" dirty="0">
+              <a:solidFill>
+                <a:schemeClr val="tx1">
+                  <a:lumMod val="65000"/>
+                  <a:lumOff val="35000"/>
+                </a:schemeClr>
+              </a:solidFill>
+            </a:endParaRPr>
+          </a:p>
+          <a:p>
+            <a:pPr lvl="1"/>
+            <a:r>
+              <a:rPr lang="en-US" b="1" i="1" dirty="0">
+                <a:solidFill>
+                  <a:schemeClr val="tx1">
+                    <a:lumMod val="65000"/>
+                    <a:lumOff val="35000"/>
+                  </a:schemeClr>
+                </a:solidFill>
+              </a:rPr>
+              <a:t>from </a:t>
+            </a:r>
+            <a:r>
+              <a:rPr lang="en-US" b="1" i="1" dirty="0" err="1">
+                <a:solidFill>
+                  <a:schemeClr val="tx1">
+                    <a:lumMod val="65000"/>
+                    <a:lumOff val="35000"/>
+                  </a:schemeClr>
+                </a:solidFill>
+              </a:rPr>
+              <a:t>sklearn.metrics.pairwise</a:t>
+            </a:r>
+            <a:r>
+              <a:rPr lang="en-US" b="1" i="1" dirty="0">
+                <a:solidFill>
+                  <a:schemeClr val="tx1">
+                    <a:lumMod val="65000"/>
+                    <a:lumOff val="35000"/>
+                  </a:schemeClr>
+                </a:solidFill>
+              </a:rPr>
+              <a:t> import </a:t>
+            </a:r>
+            <a:r>
+              <a:rPr lang="en-US" b="1" i="1" dirty="0" err="1">
+                <a:solidFill>
+                  <a:schemeClr val="tx1">
+                    <a:lumMod val="65000"/>
+                    <a:lumOff val="35000"/>
+                  </a:schemeClr>
+                </a:solidFill>
+              </a:rPr>
+              <a:t>linear_kernel</a:t>
+            </a:r>
+            <a:r>
+              <a:rPr lang="ru-RU" b="1" i="1" dirty="0">
+                <a:solidFill>
+                  <a:schemeClr val="tx1">
+                    <a:lumMod val="65000"/>
+                    <a:lumOff val="35000"/>
+                  </a:schemeClr>
+                </a:solidFill>
+              </a:rPr>
+              <a:t> </a:t>
+            </a:r>
+            <a:r>
+              <a:rPr lang="ru-RU" i="1" dirty="0">
+                <a:solidFill>
+                  <a:schemeClr val="tx1">
+                    <a:lumMod val="65000"/>
+                    <a:lumOff val="35000"/>
+                  </a:schemeClr>
+                </a:solidFill>
+              </a:rPr>
+              <a:t>– модуль для расчета косинусного расстояния (метрика поиска схожих объектов)</a:t>
             </a:r>
           </a:p>
         </p:txBody>

--- a/ПЕРЕЗАПУСК_Защита проекта.pptx
+++ b/ПЕРЕЗАПУСК_Защита проекта.pptx
@@ -10,8 +10,10 @@
     <p:sldId id="259" r:id="rId4"/>
     <p:sldId id="261" r:id="rId5"/>
     <p:sldId id="262" r:id="rId6"/>
-    <p:sldId id="260" r:id="rId7"/>
-    <p:sldId id="263" r:id="rId8"/>
+    <p:sldId id="265" r:id="rId7"/>
+    <p:sldId id="264" r:id="rId8"/>
+    <p:sldId id="260" r:id="rId9"/>
+    <p:sldId id="263" r:id="rId10"/>
   </p:sldIdLst>
   <p:sldSz cx="12192000" cy="6858000"/>
   <p:notesSz cx="6858000" cy="9144000"/>
@@ -116,6 +118,18 @@
     </p:ext>
   </p:extLst>
 </p:presentation>
+</file>
+
+<file path=ppt/commentAuthors.xml><?xml version="1.0" encoding="utf-8"?>
+<p:cmAuthorLst xmlns:a="http://schemas.openxmlformats.org/drawingml/2006/main" xmlns:r="http://schemas.openxmlformats.org/officeDocument/2006/relationships" xmlns:p="http://schemas.openxmlformats.org/presentationml/2006/main">
+  <p:cmAuthor id="1" name="Ольга М." initials="ОМ" lastIdx="1" clrIdx="0">
+    <p:extLst>
+      <p:ext uri="{19B8F6BF-5375-455C-9EA6-DF929625EA0E}">
+        <p15:presenceInfo xmlns:p15="http://schemas.microsoft.com/office/powerpoint/2012/main" userId="42d3750ba873f4ee" providerId="Windows Live"/>
+      </p:ext>
+    </p:extLst>
+  </p:cmAuthor>
+</p:cmAuthorLst>
 </file>
 
 <file path=ppt/slideLayouts/slideLayout1.xml><?xml version="1.0" encoding="utf-8"?>
@@ -992,7 +1006,7 @@
           <a:p>
             <a:fld id="{4583FB6F-ACA5-4987-9D7D-422181772236}" type="datetimeFigureOut">
               <a:rPr lang="ru-RU" smtClean="0"/>
-              <a:t>25.10.2021</a:t>
+              <a:t>26.10.2021</a:t>
             </a:fld>
             <a:endParaRPr lang="ru-RU"/>
           </a:p>
@@ -2098,7 +2112,7 @@
           <a:p>
             <a:fld id="{4583FB6F-ACA5-4987-9D7D-422181772236}" type="datetimeFigureOut">
               <a:rPr lang="ru-RU" smtClean="0"/>
-              <a:t>25.10.2021</a:t>
+              <a:t>26.10.2021</a:t>
             </a:fld>
             <a:endParaRPr lang="ru-RU"/>
           </a:p>
@@ -2309,7 +2323,7 @@
           <a:p>
             <a:fld id="{4583FB6F-ACA5-4987-9D7D-422181772236}" type="datetimeFigureOut">
               <a:rPr lang="ru-RU" smtClean="0"/>
-              <a:t>25.10.2021</a:t>
+              <a:t>26.10.2021</a:t>
             </a:fld>
             <a:endParaRPr lang="ru-RU"/>
           </a:p>
@@ -3598,8 +3612,8 @@
         </p:nvSpPr>
         <p:spPr>
           <a:xfrm>
-            <a:off x="1151507" y="1410393"/>
-            <a:ext cx="10202293" cy="971381"/>
+            <a:off x="1134673" y="1364937"/>
+            <a:ext cx="10202293" cy="398141"/>
           </a:xfrm>
         </p:spPr>
         <p:txBody>
@@ -3613,43 +3627,33 @@
             </a:pPr>
             <a:r>
               <a:rPr lang="ru-RU" sz="1800" i="1" dirty="0"/>
-              <a:t>Пример для поиска: </a:t>
+              <a:t>Выгрузили вакансии с сайта в формате </a:t>
+            </a:r>
+            <a:r>
+              <a:rPr lang="en-US" sz="1800" i="1" dirty="0"/>
+              <a:t>json</a:t>
             </a:r>
           </a:p>
           <a:p>
             <a:pPr marL="0" indent="0">
               <a:buNone/>
             </a:pPr>
-            <a:r>
-              <a:rPr lang="ru-RU" sz="1800" i="1" dirty="0"/>
-              <a:t>сбор данных из внутренних и внешних источников, подготовка данных к анализу, разработка моделей обработки и анализа данных, в том числе с применением алгоритмов машинного обучения в рамках аудиторских проверок.</a:t>
-            </a:r>
+            <a:endParaRPr lang="en-US" sz="1800" i="1" dirty="0"/>
           </a:p>
           <a:p>
             <a:pPr marL="0" indent="0">
               <a:buNone/>
             </a:pPr>
-            <a:r>
-              <a:rPr lang="ru-RU" sz="1800" i="1" dirty="0"/>
-              <a:t>Результат поиска ТОП 10 подходящих вакансий</a:t>
-            </a:r>
-            <a:r>
-              <a:rPr lang="en-US" sz="1800" i="1" dirty="0"/>
-              <a:t> </a:t>
-            </a:r>
-            <a:r>
-              <a:rPr lang="ru-RU" sz="1800" i="1" dirty="0"/>
-              <a:t>в г. Екатеринбург:</a:t>
-            </a:r>
+            <a:endParaRPr lang="ru-RU" sz="1800" i="1" dirty="0"/>
           </a:p>
         </p:txBody>
       </p:sp>
       <p:pic>
         <p:nvPicPr>
-          <p:cNvPr id="10" name="Рисунок 9">
+          <p:cNvPr id="4" name="Рисунок 3">
             <a:extLst>
               <a:ext uri="{FF2B5EF4-FFF2-40B4-BE49-F238E27FC236}">
-                <a16:creationId xmlns:a16="http://schemas.microsoft.com/office/drawing/2014/main" id="{BCF02961-A5F2-42F7-AF8C-0CCABE8FEA79}"/>
+                <a16:creationId xmlns:a16="http://schemas.microsoft.com/office/drawing/2014/main" id="{0E008631-3D88-421A-82D1-5897904CCFED}"/>
               </a:ext>
             </a:extLst>
           </p:cNvPr>
@@ -3660,19 +3664,533 @@
         </p:nvPicPr>
         <p:blipFill rotWithShape="1">
           <a:blip r:embed="rId2"/>
-          <a:srcRect l="23447" t="46731" r="41528" b="23236"/>
+          <a:srcRect l="29491" t="22784" r="41627" b="68266"/>
           <a:stretch/>
         </p:blipFill>
         <p:spPr>
           <a:xfrm>
-            <a:off x="1651245" y="3031707"/>
-            <a:ext cx="7599286" cy="3665354"/>
+            <a:off x="1134673" y="1778683"/>
+            <a:ext cx="4990319" cy="869895"/>
           </a:xfrm>
           <a:prstGeom prst="rect">
             <a:avLst/>
           </a:prstGeom>
         </p:spPr>
       </p:pic>
+      <p:pic>
+        <p:nvPicPr>
+          <p:cNvPr id="6" name="Рисунок 5">
+            <a:extLst>
+              <a:ext uri="{FF2B5EF4-FFF2-40B4-BE49-F238E27FC236}">
+                <a16:creationId xmlns:a16="http://schemas.microsoft.com/office/drawing/2014/main" id="{69E9D122-6A3C-4CA2-861E-DDE1F0394889}"/>
+              </a:ext>
+            </a:extLst>
+          </p:cNvPr>
+          <p:cNvPicPr>
+            <a:picLocks noChangeAspect="1"/>
+          </p:cNvPicPr>
+          <p:nvPr/>
+        </p:nvPicPr>
+        <p:blipFill rotWithShape="1">
+          <a:blip r:embed="rId3"/>
+          <a:srcRect l="29843" t="57557" r="30313" b="28279"/>
+          <a:stretch/>
+        </p:blipFill>
+        <p:spPr>
+          <a:xfrm>
+            <a:off x="1151507" y="3074383"/>
+            <a:ext cx="7502930" cy="1500325"/>
+          </a:xfrm>
+          <a:prstGeom prst="rect">
+            <a:avLst/>
+          </a:prstGeom>
+        </p:spPr>
+      </p:pic>
+      <p:sp>
+        <p:nvSpPr>
+          <p:cNvPr id="9" name="Объект 6">
+            <a:extLst>
+              <a:ext uri="{FF2B5EF4-FFF2-40B4-BE49-F238E27FC236}">
+                <a16:creationId xmlns:a16="http://schemas.microsoft.com/office/drawing/2014/main" id="{0BED5B91-D6A2-4BC8-9E2B-A400BE466BA3}"/>
+              </a:ext>
+            </a:extLst>
+          </p:cNvPr>
+          <p:cNvSpPr txBox="1">
+            <a:spLocks/>
+          </p:cNvSpPr>
+          <p:nvPr/>
+        </p:nvSpPr>
+        <p:spPr>
+          <a:xfrm>
+            <a:off x="1134673" y="2708731"/>
+            <a:ext cx="10202293" cy="408738"/>
+          </a:xfrm>
+          <a:prstGeom prst="rect">
+            <a:avLst/>
+          </a:prstGeom>
+        </p:spPr>
+        <p:txBody>
+          <a:bodyPr vert="horz" lIns="91440" tIns="45720" rIns="91440" bIns="45720" rtlCol="0">
+            <a:noAutofit/>
+          </a:bodyPr>
+          <a:lstStyle>
+            <a:lvl1pPr marL="228600" indent="-228600" algn="l" defTabSz="914400" rtl="0" eaLnBrk="1" latinLnBrk="0" hangingPunct="1">
+              <a:lnSpc>
+                <a:spcPct val="90000"/>
+              </a:lnSpc>
+              <a:spcBef>
+                <a:spcPts val="1000"/>
+              </a:spcBef>
+              <a:buFont typeface="Arial" panose="020B0604020202020204" pitchFamily="34" charset="0"/>
+              <a:buChar char="•"/>
+              <a:defRPr sz="2800" kern="1200">
+                <a:solidFill>
+                  <a:schemeClr val="tx1"/>
+                </a:solidFill>
+                <a:latin typeface="+mn-lt"/>
+                <a:ea typeface="+mn-ea"/>
+                <a:cs typeface="+mn-cs"/>
+              </a:defRPr>
+            </a:lvl1pPr>
+            <a:lvl2pPr marL="685800" indent="-228600" algn="l" defTabSz="914400" rtl="0" eaLnBrk="1" latinLnBrk="0" hangingPunct="1">
+              <a:lnSpc>
+                <a:spcPct val="90000"/>
+              </a:lnSpc>
+              <a:spcBef>
+                <a:spcPts val="500"/>
+              </a:spcBef>
+              <a:buFont typeface="Arial" panose="020B0604020202020204" pitchFamily="34" charset="0"/>
+              <a:buChar char="•"/>
+              <a:defRPr sz="2400" kern="1200">
+                <a:solidFill>
+                  <a:schemeClr val="tx1"/>
+                </a:solidFill>
+                <a:latin typeface="+mn-lt"/>
+                <a:ea typeface="+mn-ea"/>
+                <a:cs typeface="+mn-cs"/>
+              </a:defRPr>
+            </a:lvl2pPr>
+            <a:lvl3pPr marL="1143000" indent="-228600" algn="l" defTabSz="914400" rtl="0" eaLnBrk="1" latinLnBrk="0" hangingPunct="1">
+              <a:lnSpc>
+                <a:spcPct val="90000"/>
+              </a:lnSpc>
+              <a:spcBef>
+                <a:spcPts val="500"/>
+              </a:spcBef>
+              <a:buFont typeface="Arial" panose="020B0604020202020204" pitchFamily="34" charset="0"/>
+              <a:buChar char="•"/>
+              <a:defRPr sz="2000" kern="1200">
+                <a:solidFill>
+                  <a:schemeClr val="tx1"/>
+                </a:solidFill>
+                <a:latin typeface="+mn-lt"/>
+                <a:ea typeface="+mn-ea"/>
+                <a:cs typeface="+mn-cs"/>
+              </a:defRPr>
+            </a:lvl3pPr>
+            <a:lvl4pPr marL="1600200" indent="-228600" algn="l" defTabSz="914400" rtl="0" eaLnBrk="1" latinLnBrk="0" hangingPunct="1">
+              <a:lnSpc>
+                <a:spcPct val="90000"/>
+              </a:lnSpc>
+              <a:spcBef>
+                <a:spcPts val="500"/>
+              </a:spcBef>
+              <a:buFont typeface="Arial" panose="020B0604020202020204" pitchFamily="34" charset="0"/>
+              <a:buChar char="•"/>
+              <a:defRPr sz="1800" kern="1200">
+                <a:solidFill>
+                  <a:schemeClr val="tx1"/>
+                </a:solidFill>
+                <a:latin typeface="+mn-lt"/>
+                <a:ea typeface="+mn-ea"/>
+                <a:cs typeface="+mn-cs"/>
+              </a:defRPr>
+            </a:lvl4pPr>
+            <a:lvl5pPr marL="2057400" indent="-228600" algn="l" defTabSz="914400" rtl="0" eaLnBrk="1" latinLnBrk="0" hangingPunct="1">
+              <a:lnSpc>
+                <a:spcPct val="90000"/>
+              </a:lnSpc>
+              <a:spcBef>
+                <a:spcPts val="500"/>
+              </a:spcBef>
+              <a:buFont typeface="Arial" panose="020B0604020202020204" pitchFamily="34" charset="0"/>
+              <a:buChar char="•"/>
+              <a:defRPr sz="1800" kern="1200">
+                <a:solidFill>
+                  <a:schemeClr val="tx1"/>
+                </a:solidFill>
+                <a:latin typeface="+mn-lt"/>
+                <a:ea typeface="+mn-ea"/>
+                <a:cs typeface="+mn-cs"/>
+              </a:defRPr>
+            </a:lvl5pPr>
+            <a:lvl6pPr marL="2514600" indent="-228600" algn="l" defTabSz="914400" rtl="0" eaLnBrk="1" latinLnBrk="0" hangingPunct="1">
+              <a:lnSpc>
+                <a:spcPct val="90000"/>
+              </a:lnSpc>
+              <a:spcBef>
+                <a:spcPts val="500"/>
+              </a:spcBef>
+              <a:buFont typeface="Arial" panose="020B0604020202020204" pitchFamily="34" charset="0"/>
+              <a:buChar char="•"/>
+              <a:defRPr sz="1800" kern="1200">
+                <a:solidFill>
+                  <a:schemeClr val="tx1"/>
+                </a:solidFill>
+                <a:latin typeface="+mn-lt"/>
+                <a:ea typeface="+mn-ea"/>
+                <a:cs typeface="+mn-cs"/>
+              </a:defRPr>
+            </a:lvl6pPr>
+            <a:lvl7pPr marL="2971800" indent="-228600" algn="l" defTabSz="914400" rtl="0" eaLnBrk="1" latinLnBrk="0" hangingPunct="1">
+              <a:lnSpc>
+                <a:spcPct val="90000"/>
+              </a:lnSpc>
+              <a:spcBef>
+                <a:spcPts val="500"/>
+              </a:spcBef>
+              <a:buFont typeface="Arial" panose="020B0604020202020204" pitchFamily="34" charset="0"/>
+              <a:buChar char="•"/>
+              <a:defRPr sz="1800" kern="1200">
+                <a:solidFill>
+                  <a:schemeClr val="tx1"/>
+                </a:solidFill>
+                <a:latin typeface="+mn-lt"/>
+                <a:ea typeface="+mn-ea"/>
+                <a:cs typeface="+mn-cs"/>
+              </a:defRPr>
+            </a:lvl7pPr>
+            <a:lvl8pPr marL="3429000" indent="-228600" algn="l" defTabSz="914400" rtl="0" eaLnBrk="1" latinLnBrk="0" hangingPunct="1">
+              <a:lnSpc>
+                <a:spcPct val="90000"/>
+              </a:lnSpc>
+              <a:spcBef>
+                <a:spcPts val="500"/>
+              </a:spcBef>
+              <a:buFont typeface="Arial" panose="020B0604020202020204" pitchFamily="34" charset="0"/>
+              <a:buChar char="•"/>
+              <a:defRPr sz="1800" kern="1200">
+                <a:solidFill>
+                  <a:schemeClr val="tx1"/>
+                </a:solidFill>
+                <a:latin typeface="+mn-lt"/>
+                <a:ea typeface="+mn-ea"/>
+                <a:cs typeface="+mn-cs"/>
+              </a:defRPr>
+            </a:lvl8pPr>
+            <a:lvl9pPr marL="3886200" indent="-228600" algn="l" defTabSz="914400" rtl="0" eaLnBrk="1" latinLnBrk="0" hangingPunct="1">
+              <a:lnSpc>
+                <a:spcPct val="90000"/>
+              </a:lnSpc>
+              <a:spcBef>
+                <a:spcPts val="500"/>
+              </a:spcBef>
+              <a:buFont typeface="Arial" panose="020B0604020202020204" pitchFamily="34" charset="0"/>
+              <a:buChar char="•"/>
+              <a:defRPr sz="1800" kern="1200">
+                <a:solidFill>
+                  <a:schemeClr val="tx1"/>
+                </a:solidFill>
+                <a:latin typeface="+mn-lt"/>
+                <a:ea typeface="+mn-ea"/>
+                <a:cs typeface="+mn-cs"/>
+              </a:defRPr>
+            </a:lvl9pPr>
+          </a:lstStyle>
+          <a:p>
+            <a:pPr marL="0" indent="0">
+              <a:buFont typeface="Arial" panose="020B0604020202020204" pitchFamily="34" charset="0"/>
+              <a:buNone/>
+            </a:pPr>
+            <a:r>
+              <a:rPr lang="ru-RU" sz="1800" i="1" dirty="0"/>
+              <a:t>Из полученных данных сформировали </a:t>
+            </a:r>
+            <a:r>
+              <a:rPr lang="en-US" sz="1800" i="1" dirty="0" err="1"/>
+              <a:t>DataFrame</a:t>
+            </a:r>
+            <a:endParaRPr lang="en-US" sz="1800" i="1" dirty="0"/>
+          </a:p>
+          <a:p>
+            <a:pPr marL="0" indent="0">
+              <a:buFont typeface="Arial" panose="020B0604020202020204" pitchFamily="34" charset="0"/>
+              <a:buNone/>
+            </a:pPr>
+            <a:endParaRPr lang="en-US" sz="1800" i="1" dirty="0"/>
+          </a:p>
+          <a:p>
+            <a:pPr marL="0" indent="0">
+              <a:buFont typeface="Arial" panose="020B0604020202020204" pitchFamily="34" charset="0"/>
+              <a:buNone/>
+            </a:pPr>
+            <a:endParaRPr lang="ru-RU" sz="1800" i="1" dirty="0"/>
+          </a:p>
+        </p:txBody>
+      </p:sp>
+      <p:pic>
+        <p:nvPicPr>
+          <p:cNvPr id="11" name="Рисунок 10">
+            <a:extLst>
+              <a:ext uri="{FF2B5EF4-FFF2-40B4-BE49-F238E27FC236}">
+                <a16:creationId xmlns:a16="http://schemas.microsoft.com/office/drawing/2014/main" id="{990742C9-9D21-4DA4-8C4C-81177BE3FAC9}"/>
+              </a:ext>
+            </a:extLst>
+          </p:cNvPr>
+          <p:cNvPicPr>
+            <a:picLocks noChangeAspect="1"/>
+          </p:cNvPicPr>
+          <p:nvPr/>
+        </p:nvPicPr>
+        <p:blipFill rotWithShape="1">
+          <a:blip r:embed="rId4"/>
+          <a:srcRect l="29921" t="37222" r="31225" b="51228"/>
+          <a:stretch/>
+        </p:blipFill>
+        <p:spPr>
+          <a:xfrm>
+            <a:off x="1151507" y="5096855"/>
+            <a:ext cx="8125845" cy="1358685"/>
+          </a:xfrm>
+          <a:prstGeom prst="rect">
+            <a:avLst/>
+          </a:prstGeom>
+        </p:spPr>
+      </p:pic>
+      <p:sp>
+        <p:nvSpPr>
+          <p:cNvPr id="12" name="Объект 6">
+            <a:extLst>
+              <a:ext uri="{FF2B5EF4-FFF2-40B4-BE49-F238E27FC236}">
+                <a16:creationId xmlns:a16="http://schemas.microsoft.com/office/drawing/2014/main" id="{5FC79793-FC2D-4627-920D-CD1FB884CD98}"/>
+              </a:ext>
+            </a:extLst>
+          </p:cNvPr>
+          <p:cNvSpPr txBox="1">
+            <a:spLocks/>
+          </p:cNvSpPr>
+          <p:nvPr/>
+        </p:nvSpPr>
+        <p:spPr>
+          <a:xfrm>
+            <a:off x="1134673" y="4677862"/>
+            <a:ext cx="10688069" cy="485690"/>
+          </a:xfrm>
+          <a:prstGeom prst="rect">
+            <a:avLst/>
+          </a:prstGeom>
+        </p:spPr>
+        <p:txBody>
+          <a:bodyPr vert="horz" lIns="91440" tIns="45720" rIns="91440" bIns="45720" rtlCol="0">
+            <a:noAutofit/>
+          </a:bodyPr>
+          <a:lstStyle>
+            <a:lvl1pPr marL="228600" indent="-228600" algn="l" defTabSz="914400" rtl="0" eaLnBrk="1" latinLnBrk="0" hangingPunct="1">
+              <a:lnSpc>
+                <a:spcPct val="90000"/>
+              </a:lnSpc>
+              <a:spcBef>
+                <a:spcPts val="1000"/>
+              </a:spcBef>
+              <a:buFont typeface="Arial" panose="020B0604020202020204" pitchFamily="34" charset="0"/>
+              <a:buChar char="•"/>
+              <a:defRPr sz="2800" kern="1200">
+                <a:solidFill>
+                  <a:schemeClr val="tx1"/>
+                </a:solidFill>
+                <a:latin typeface="+mn-lt"/>
+                <a:ea typeface="+mn-ea"/>
+                <a:cs typeface="+mn-cs"/>
+              </a:defRPr>
+            </a:lvl1pPr>
+            <a:lvl2pPr marL="685800" indent="-228600" algn="l" defTabSz="914400" rtl="0" eaLnBrk="1" latinLnBrk="0" hangingPunct="1">
+              <a:lnSpc>
+                <a:spcPct val="90000"/>
+              </a:lnSpc>
+              <a:spcBef>
+                <a:spcPts val="500"/>
+              </a:spcBef>
+              <a:buFont typeface="Arial" panose="020B0604020202020204" pitchFamily="34" charset="0"/>
+              <a:buChar char="•"/>
+              <a:defRPr sz="2400" kern="1200">
+                <a:solidFill>
+                  <a:schemeClr val="tx1"/>
+                </a:solidFill>
+                <a:latin typeface="+mn-lt"/>
+                <a:ea typeface="+mn-ea"/>
+                <a:cs typeface="+mn-cs"/>
+              </a:defRPr>
+            </a:lvl2pPr>
+            <a:lvl3pPr marL="1143000" indent="-228600" algn="l" defTabSz="914400" rtl="0" eaLnBrk="1" latinLnBrk="0" hangingPunct="1">
+              <a:lnSpc>
+                <a:spcPct val="90000"/>
+              </a:lnSpc>
+              <a:spcBef>
+                <a:spcPts val="500"/>
+              </a:spcBef>
+              <a:buFont typeface="Arial" panose="020B0604020202020204" pitchFamily="34" charset="0"/>
+              <a:buChar char="•"/>
+              <a:defRPr sz="2000" kern="1200">
+                <a:solidFill>
+                  <a:schemeClr val="tx1"/>
+                </a:solidFill>
+                <a:latin typeface="+mn-lt"/>
+                <a:ea typeface="+mn-ea"/>
+                <a:cs typeface="+mn-cs"/>
+              </a:defRPr>
+            </a:lvl3pPr>
+            <a:lvl4pPr marL="1600200" indent="-228600" algn="l" defTabSz="914400" rtl="0" eaLnBrk="1" latinLnBrk="0" hangingPunct="1">
+              <a:lnSpc>
+                <a:spcPct val="90000"/>
+              </a:lnSpc>
+              <a:spcBef>
+                <a:spcPts val="500"/>
+              </a:spcBef>
+              <a:buFont typeface="Arial" panose="020B0604020202020204" pitchFamily="34" charset="0"/>
+              <a:buChar char="•"/>
+              <a:defRPr sz="1800" kern="1200">
+                <a:solidFill>
+                  <a:schemeClr val="tx1"/>
+                </a:solidFill>
+                <a:latin typeface="+mn-lt"/>
+                <a:ea typeface="+mn-ea"/>
+                <a:cs typeface="+mn-cs"/>
+              </a:defRPr>
+            </a:lvl4pPr>
+            <a:lvl5pPr marL="2057400" indent="-228600" algn="l" defTabSz="914400" rtl="0" eaLnBrk="1" latinLnBrk="0" hangingPunct="1">
+              <a:lnSpc>
+                <a:spcPct val="90000"/>
+              </a:lnSpc>
+              <a:spcBef>
+                <a:spcPts val="500"/>
+              </a:spcBef>
+              <a:buFont typeface="Arial" panose="020B0604020202020204" pitchFamily="34" charset="0"/>
+              <a:buChar char="•"/>
+              <a:defRPr sz="1800" kern="1200">
+                <a:solidFill>
+                  <a:schemeClr val="tx1"/>
+                </a:solidFill>
+                <a:latin typeface="+mn-lt"/>
+                <a:ea typeface="+mn-ea"/>
+                <a:cs typeface="+mn-cs"/>
+              </a:defRPr>
+            </a:lvl5pPr>
+            <a:lvl6pPr marL="2514600" indent="-228600" algn="l" defTabSz="914400" rtl="0" eaLnBrk="1" latinLnBrk="0" hangingPunct="1">
+              <a:lnSpc>
+                <a:spcPct val="90000"/>
+              </a:lnSpc>
+              <a:spcBef>
+                <a:spcPts val="500"/>
+              </a:spcBef>
+              <a:buFont typeface="Arial" panose="020B0604020202020204" pitchFamily="34" charset="0"/>
+              <a:buChar char="•"/>
+              <a:defRPr sz="1800" kern="1200">
+                <a:solidFill>
+                  <a:schemeClr val="tx1"/>
+                </a:solidFill>
+                <a:latin typeface="+mn-lt"/>
+                <a:ea typeface="+mn-ea"/>
+                <a:cs typeface="+mn-cs"/>
+              </a:defRPr>
+            </a:lvl6pPr>
+            <a:lvl7pPr marL="2971800" indent="-228600" algn="l" defTabSz="914400" rtl="0" eaLnBrk="1" latinLnBrk="0" hangingPunct="1">
+              <a:lnSpc>
+                <a:spcPct val="90000"/>
+              </a:lnSpc>
+              <a:spcBef>
+                <a:spcPts val="500"/>
+              </a:spcBef>
+              <a:buFont typeface="Arial" panose="020B0604020202020204" pitchFamily="34" charset="0"/>
+              <a:buChar char="•"/>
+              <a:defRPr sz="1800" kern="1200">
+                <a:solidFill>
+                  <a:schemeClr val="tx1"/>
+                </a:solidFill>
+                <a:latin typeface="+mn-lt"/>
+                <a:ea typeface="+mn-ea"/>
+                <a:cs typeface="+mn-cs"/>
+              </a:defRPr>
+            </a:lvl7pPr>
+            <a:lvl8pPr marL="3429000" indent="-228600" algn="l" defTabSz="914400" rtl="0" eaLnBrk="1" latinLnBrk="0" hangingPunct="1">
+              <a:lnSpc>
+                <a:spcPct val="90000"/>
+              </a:lnSpc>
+              <a:spcBef>
+                <a:spcPts val="500"/>
+              </a:spcBef>
+              <a:buFont typeface="Arial" panose="020B0604020202020204" pitchFamily="34" charset="0"/>
+              <a:buChar char="•"/>
+              <a:defRPr sz="1800" kern="1200">
+                <a:solidFill>
+                  <a:schemeClr val="tx1"/>
+                </a:solidFill>
+                <a:latin typeface="+mn-lt"/>
+                <a:ea typeface="+mn-ea"/>
+                <a:cs typeface="+mn-cs"/>
+              </a:defRPr>
+            </a:lvl8pPr>
+            <a:lvl9pPr marL="3886200" indent="-228600" algn="l" defTabSz="914400" rtl="0" eaLnBrk="1" latinLnBrk="0" hangingPunct="1">
+              <a:lnSpc>
+                <a:spcPct val="90000"/>
+              </a:lnSpc>
+              <a:spcBef>
+                <a:spcPts val="500"/>
+              </a:spcBef>
+              <a:buFont typeface="Arial" panose="020B0604020202020204" pitchFamily="34" charset="0"/>
+              <a:buChar char="•"/>
+              <a:defRPr sz="1800" kern="1200">
+                <a:solidFill>
+                  <a:schemeClr val="tx1"/>
+                </a:solidFill>
+                <a:latin typeface="+mn-lt"/>
+                <a:ea typeface="+mn-ea"/>
+                <a:cs typeface="+mn-cs"/>
+              </a:defRPr>
+            </a:lvl9pPr>
+          </a:lstStyle>
+          <a:p>
+            <a:pPr marL="0" indent="0">
+              <a:buFont typeface="Arial" panose="020B0604020202020204" pitchFamily="34" charset="0"/>
+              <a:buNone/>
+            </a:pPr>
+            <a:r>
+              <a:rPr lang="ru-RU" sz="1800" i="1" dirty="0"/>
+              <a:t>Предобработали тест описаний вакансий. «Очищенный» текст записали в новый столбец </a:t>
+            </a:r>
+            <a:r>
+              <a:rPr lang="en-US" sz="1800" i="1" dirty="0"/>
+              <a:t>“</a:t>
+            </a:r>
+            <a:r>
+              <a:rPr lang="en-US" sz="1800" i="1" dirty="0" err="1"/>
+              <a:t>text_clean</a:t>
+            </a:r>
+            <a:r>
+              <a:rPr lang="en-US" sz="1800" i="1" dirty="0"/>
+              <a:t>”</a:t>
+            </a:r>
+            <a:r>
+              <a:rPr lang="ru-RU" sz="1800" i="1" dirty="0"/>
+              <a:t> </a:t>
+            </a:r>
+            <a:endParaRPr lang="en-US" sz="1800" i="1" dirty="0"/>
+          </a:p>
+          <a:p>
+            <a:pPr marL="0" indent="0">
+              <a:buFont typeface="Arial" panose="020B0604020202020204" pitchFamily="34" charset="0"/>
+              <a:buNone/>
+            </a:pPr>
+            <a:endParaRPr lang="en-US" sz="1800" i="1" dirty="0"/>
+          </a:p>
+          <a:p>
+            <a:pPr marL="0" indent="0">
+              <a:buFont typeface="Arial" panose="020B0604020202020204" pitchFamily="34" charset="0"/>
+              <a:buNone/>
+            </a:pPr>
+            <a:endParaRPr lang="ru-RU" sz="1800" i="1" dirty="0"/>
+          </a:p>
+        </p:txBody>
+      </p:sp>
     </p:spTree>
     <p:extLst>
       <p:ext uri="{BB962C8B-B14F-4D97-AF65-F5344CB8AC3E}">
@@ -3713,6 +4231,642 @@
             <p:ph type="title"/>
           </p:nvPr>
         </p:nvSpPr>
+        <p:spPr/>
+        <p:txBody>
+          <a:bodyPr/>
+          <a:lstStyle/>
+          <a:p>
+            <a:r>
+              <a:rPr lang="ru-RU" dirty="0"/>
+              <a:t>Модель данных</a:t>
+            </a:r>
+          </a:p>
+        </p:txBody>
+      </p:sp>
+      <p:sp>
+        <p:nvSpPr>
+          <p:cNvPr id="7" name="Объект 6">
+            <a:extLst>
+              <a:ext uri="{FF2B5EF4-FFF2-40B4-BE49-F238E27FC236}">
+                <a16:creationId xmlns:a16="http://schemas.microsoft.com/office/drawing/2014/main" id="{487122B7-ED60-482F-ADBF-710455B137AC}"/>
+              </a:ext>
+            </a:extLst>
+          </p:cNvPr>
+          <p:cNvSpPr>
+            <a:spLocks noGrp="1"/>
+          </p:cNvSpPr>
+          <p:nvPr>
+            <p:ph idx="1"/>
+          </p:nvPr>
+        </p:nvSpPr>
+        <p:spPr>
+          <a:xfrm>
+            <a:off x="1151507" y="1410393"/>
+            <a:ext cx="10202293" cy="971381"/>
+          </a:xfrm>
+        </p:spPr>
+        <p:txBody>
+          <a:bodyPr>
+            <a:noAutofit/>
+          </a:bodyPr>
+          <a:lstStyle/>
+          <a:p>
+            <a:pPr marL="0" indent="0">
+              <a:buNone/>
+            </a:pPr>
+            <a:r>
+              <a:rPr lang="ru-RU" sz="2000" i="1" dirty="0"/>
+              <a:t>С помощью метода </a:t>
+            </a:r>
+            <a:r>
+              <a:rPr lang="en-US" sz="2000" i="1" dirty="0"/>
+              <a:t>TF-IDF</a:t>
+            </a:r>
+            <a:r>
+              <a:rPr lang="ru-RU" sz="2000" i="1" dirty="0"/>
+              <a:t> произвели расчет важности слов в столбце </a:t>
+            </a:r>
+            <a:r>
+              <a:rPr lang="en-US" sz="2000" i="1" dirty="0"/>
+              <a:t>“</a:t>
+            </a:r>
+            <a:r>
+              <a:rPr lang="en-US" sz="2000" i="1" dirty="0" err="1"/>
+              <a:t>text_clean</a:t>
+            </a:r>
+            <a:r>
+              <a:rPr lang="en-US" sz="2000" i="1" dirty="0"/>
+              <a:t>”</a:t>
+            </a:r>
+            <a:r>
+              <a:rPr lang="ru-RU" sz="2000" i="1" dirty="0"/>
+              <a:t> и в тексте для поиска. Преобразовали в векторное представление.</a:t>
+            </a:r>
+          </a:p>
+          <a:p>
+            <a:pPr marL="0" indent="0">
+              <a:buNone/>
+            </a:pPr>
+            <a:endParaRPr lang="ru-RU" sz="2000" i="1" dirty="0"/>
+          </a:p>
+          <a:p>
+            <a:pPr marL="0" indent="0">
+              <a:buNone/>
+            </a:pPr>
+            <a:endParaRPr lang="ru-RU" sz="2000" i="1" dirty="0"/>
+          </a:p>
+        </p:txBody>
+      </p:sp>
+      <p:sp>
+        <p:nvSpPr>
+          <p:cNvPr id="12" name="Объект 6">
+            <a:extLst>
+              <a:ext uri="{FF2B5EF4-FFF2-40B4-BE49-F238E27FC236}">
+                <a16:creationId xmlns:a16="http://schemas.microsoft.com/office/drawing/2014/main" id="{5FC79793-FC2D-4627-920D-CD1FB884CD98}"/>
+              </a:ext>
+            </a:extLst>
+          </p:cNvPr>
+          <p:cNvSpPr txBox="1">
+            <a:spLocks/>
+          </p:cNvSpPr>
+          <p:nvPr/>
+        </p:nvSpPr>
+        <p:spPr>
+          <a:xfrm>
+            <a:off x="1151507" y="2852924"/>
+            <a:ext cx="10202293" cy="643275"/>
+          </a:xfrm>
+          <a:prstGeom prst="rect">
+            <a:avLst/>
+          </a:prstGeom>
+        </p:spPr>
+        <p:txBody>
+          <a:bodyPr vert="horz" lIns="91440" tIns="45720" rIns="91440" bIns="45720" rtlCol="0">
+            <a:noAutofit/>
+          </a:bodyPr>
+          <a:lstStyle>
+            <a:lvl1pPr marL="228600" indent="-228600" algn="l" defTabSz="914400" rtl="0" eaLnBrk="1" latinLnBrk="0" hangingPunct="1">
+              <a:lnSpc>
+                <a:spcPct val="90000"/>
+              </a:lnSpc>
+              <a:spcBef>
+                <a:spcPts val="1000"/>
+              </a:spcBef>
+              <a:buFont typeface="Arial" panose="020B0604020202020204" pitchFamily="34" charset="0"/>
+              <a:buChar char="•"/>
+              <a:defRPr sz="2800" kern="1200">
+                <a:solidFill>
+                  <a:schemeClr val="tx1"/>
+                </a:solidFill>
+                <a:latin typeface="+mn-lt"/>
+                <a:ea typeface="+mn-ea"/>
+                <a:cs typeface="+mn-cs"/>
+              </a:defRPr>
+            </a:lvl1pPr>
+            <a:lvl2pPr marL="685800" indent="-228600" algn="l" defTabSz="914400" rtl="0" eaLnBrk="1" latinLnBrk="0" hangingPunct="1">
+              <a:lnSpc>
+                <a:spcPct val="90000"/>
+              </a:lnSpc>
+              <a:spcBef>
+                <a:spcPts val="500"/>
+              </a:spcBef>
+              <a:buFont typeface="Arial" panose="020B0604020202020204" pitchFamily="34" charset="0"/>
+              <a:buChar char="•"/>
+              <a:defRPr sz="2400" kern="1200">
+                <a:solidFill>
+                  <a:schemeClr val="tx1"/>
+                </a:solidFill>
+                <a:latin typeface="+mn-lt"/>
+                <a:ea typeface="+mn-ea"/>
+                <a:cs typeface="+mn-cs"/>
+              </a:defRPr>
+            </a:lvl2pPr>
+            <a:lvl3pPr marL="1143000" indent="-228600" algn="l" defTabSz="914400" rtl="0" eaLnBrk="1" latinLnBrk="0" hangingPunct="1">
+              <a:lnSpc>
+                <a:spcPct val="90000"/>
+              </a:lnSpc>
+              <a:spcBef>
+                <a:spcPts val="500"/>
+              </a:spcBef>
+              <a:buFont typeface="Arial" panose="020B0604020202020204" pitchFamily="34" charset="0"/>
+              <a:buChar char="•"/>
+              <a:defRPr sz="2000" kern="1200">
+                <a:solidFill>
+                  <a:schemeClr val="tx1"/>
+                </a:solidFill>
+                <a:latin typeface="+mn-lt"/>
+                <a:ea typeface="+mn-ea"/>
+                <a:cs typeface="+mn-cs"/>
+              </a:defRPr>
+            </a:lvl3pPr>
+            <a:lvl4pPr marL="1600200" indent="-228600" algn="l" defTabSz="914400" rtl="0" eaLnBrk="1" latinLnBrk="0" hangingPunct="1">
+              <a:lnSpc>
+                <a:spcPct val="90000"/>
+              </a:lnSpc>
+              <a:spcBef>
+                <a:spcPts val="500"/>
+              </a:spcBef>
+              <a:buFont typeface="Arial" panose="020B0604020202020204" pitchFamily="34" charset="0"/>
+              <a:buChar char="•"/>
+              <a:defRPr sz="1800" kern="1200">
+                <a:solidFill>
+                  <a:schemeClr val="tx1"/>
+                </a:solidFill>
+                <a:latin typeface="+mn-lt"/>
+                <a:ea typeface="+mn-ea"/>
+                <a:cs typeface="+mn-cs"/>
+              </a:defRPr>
+            </a:lvl4pPr>
+            <a:lvl5pPr marL="2057400" indent="-228600" algn="l" defTabSz="914400" rtl="0" eaLnBrk="1" latinLnBrk="0" hangingPunct="1">
+              <a:lnSpc>
+                <a:spcPct val="90000"/>
+              </a:lnSpc>
+              <a:spcBef>
+                <a:spcPts val="500"/>
+              </a:spcBef>
+              <a:buFont typeface="Arial" panose="020B0604020202020204" pitchFamily="34" charset="0"/>
+              <a:buChar char="•"/>
+              <a:defRPr sz="1800" kern="1200">
+                <a:solidFill>
+                  <a:schemeClr val="tx1"/>
+                </a:solidFill>
+                <a:latin typeface="+mn-lt"/>
+                <a:ea typeface="+mn-ea"/>
+                <a:cs typeface="+mn-cs"/>
+              </a:defRPr>
+            </a:lvl5pPr>
+            <a:lvl6pPr marL="2514600" indent="-228600" algn="l" defTabSz="914400" rtl="0" eaLnBrk="1" latinLnBrk="0" hangingPunct="1">
+              <a:lnSpc>
+                <a:spcPct val="90000"/>
+              </a:lnSpc>
+              <a:spcBef>
+                <a:spcPts val="500"/>
+              </a:spcBef>
+              <a:buFont typeface="Arial" panose="020B0604020202020204" pitchFamily="34" charset="0"/>
+              <a:buChar char="•"/>
+              <a:defRPr sz="1800" kern="1200">
+                <a:solidFill>
+                  <a:schemeClr val="tx1"/>
+                </a:solidFill>
+                <a:latin typeface="+mn-lt"/>
+                <a:ea typeface="+mn-ea"/>
+                <a:cs typeface="+mn-cs"/>
+              </a:defRPr>
+            </a:lvl6pPr>
+            <a:lvl7pPr marL="2971800" indent="-228600" algn="l" defTabSz="914400" rtl="0" eaLnBrk="1" latinLnBrk="0" hangingPunct="1">
+              <a:lnSpc>
+                <a:spcPct val="90000"/>
+              </a:lnSpc>
+              <a:spcBef>
+                <a:spcPts val="500"/>
+              </a:spcBef>
+              <a:buFont typeface="Arial" panose="020B0604020202020204" pitchFamily="34" charset="0"/>
+              <a:buChar char="•"/>
+              <a:defRPr sz="1800" kern="1200">
+                <a:solidFill>
+                  <a:schemeClr val="tx1"/>
+                </a:solidFill>
+                <a:latin typeface="+mn-lt"/>
+                <a:ea typeface="+mn-ea"/>
+                <a:cs typeface="+mn-cs"/>
+              </a:defRPr>
+            </a:lvl7pPr>
+            <a:lvl8pPr marL="3429000" indent="-228600" algn="l" defTabSz="914400" rtl="0" eaLnBrk="1" latinLnBrk="0" hangingPunct="1">
+              <a:lnSpc>
+                <a:spcPct val="90000"/>
+              </a:lnSpc>
+              <a:spcBef>
+                <a:spcPts val="500"/>
+              </a:spcBef>
+              <a:buFont typeface="Arial" panose="020B0604020202020204" pitchFamily="34" charset="0"/>
+              <a:buChar char="•"/>
+              <a:defRPr sz="1800" kern="1200">
+                <a:solidFill>
+                  <a:schemeClr val="tx1"/>
+                </a:solidFill>
+                <a:latin typeface="+mn-lt"/>
+                <a:ea typeface="+mn-ea"/>
+                <a:cs typeface="+mn-cs"/>
+              </a:defRPr>
+            </a:lvl8pPr>
+            <a:lvl9pPr marL="3886200" indent="-228600" algn="l" defTabSz="914400" rtl="0" eaLnBrk="1" latinLnBrk="0" hangingPunct="1">
+              <a:lnSpc>
+                <a:spcPct val="90000"/>
+              </a:lnSpc>
+              <a:spcBef>
+                <a:spcPts val="500"/>
+              </a:spcBef>
+              <a:buFont typeface="Arial" panose="020B0604020202020204" pitchFamily="34" charset="0"/>
+              <a:buChar char="•"/>
+              <a:defRPr sz="1800" kern="1200">
+                <a:solidFill>
+                  <a:schemeClr val="tx1"/>
+                </a:solidFill>
+                <a:latin typeface="+mn-lt"/>
+                <a:ea typeface="+mn-ea"/>
+                <a:cs typeface="+mn-cs"/>
+              </a:defRPr>
+            </a:lvl9pPr>
+          </a:lstStyle>
+          <a:p>
+            <a:pPr marL="0" indent="0">
+              <a:buFont typeface="Arial" panose="020B0604020202020204" pitchFamily="34" charset="0"/>
+              <a:buNone/>
+            </a:pPr>
+            <a:r>
+              <a:rPr lang="ru-RU" sz="2000" i="1" dirty="0"/>
+              <a:t>Для поиска схожих вакансий вычисляем косинусное расстояние*. Добавляем в </a:t>
+            </a:r>
+            <a:r>
+              <a:rPr lang="en-US" sz="2000" i="1" dirty="0" err="1"/>
+              <a:t>DataFrame</a:t>
+            </a:r>
+            <a:r>
+              <a:rPr lang="en-US" sz="2000" i="1" dirty="0"/>
+              <a:t> </a:t>
+            </a:r>
+            <a:r>
+              <a:rPr lang="ru-RU" sz="2000" i="1" dirty="0"/>
+              <a:t>новый столбец </a:t>
+            </a:r>
+            <a:r>
+              <a:rPr lang="en-US" sz="2000" i="1" dirty="0"/>
+              <a:t>“</a:t>
+            </a:r>
+            <a:r>
+              <a:rPr lang="en-US" sz="2000" i="1" dirty="0" err="1"/>
+              <a:t>cos_similarities</a:t>
+            </a:r>
+            <a:r>
+              <a:rPr lang="en-US" sz="2000" i="1" dirty="0"/>
+              <a:t>” </a:t>
+            </a:r>
+            <a:r>
+              <a:rPr lang="ru-RU" sz="2000" i="1" dirty="0"/>
+              <a:t> со значениями косинусного расстояния.</a:t>
+            </a:r>
+            <a:endParaRPr lang="en-US" sz="2000" i="1" dirty="0"/>
+          </a:p>
+          <a:p>
+            <a:pPr marL="0" indent="0">
+              <a:buFont typeface="Arial" panose="020B0604020202020204" pitchFamily="34" charset="0"/>
+              <a:buNone/>
+            </a:pPr>
+            <a:endParaRPr lang="ru-RU" sz="1800" i="1" dirty="0"/>
+          </a:p>
+        </p:txBody>
+      </p:sp>
+      <p:sp>
+        <p:nvSpPr>
+          <p:cNvPr id="10" name="TextBox 9">
+            <a:extLst>
+              <a:ext uri="{FF2B5EF4-FFF2-40B4-BE49-F238E27FC236}">
+                <a16:creationId xmlns:a16="http://schemas.microsoft.com/office/drawing/2014/main" id="{29832614-728B-4561-8669-720CF7EC93BD}"/>
+              </a:ext>
+            </a:extLst>
+          </p:cNvPr>
+          <p:cNvSpPr txBox="1"/>
+          <p:nvPr/>
+        </p:nvSpPr>
+        <p:spPr>
+          <a:xfrm>
+            <a:off x="1380108" y="6130685"/>
+            <a:ext cx="10202293" cy="584775"/>
+          </a:xfrm>
+          <a:prstGeom prst="rect">
+            <a:avLst/>
+          </a:prstGeom>
+          <a:noFill/>
+        </p:spPr>
+        <p:txBody>
+          <a:bodyPr wrap="square">
+            <a:spAutoFit/>
+          </a:bodyPr>
+          <a:lstStyle/>
+          <a:p>
+            <a:r>
+              <a:rPr lang="en-US" sz="1600" i="1" dirty="0"/>
+              <a:t>*</a:t>
+            </a:r>
+            <a:r>
+              <a:rPr lang="ru-RU" sz="1600" i="1" dirty="0"/>
+              <a:t>Косинусным расстоянием между двумя словами называют косинус угла между соответствующими векторами — чем ближе слова по буквенному составу, тем это расстояние ближе к 1.</a:t>
+            </a:r>
+          </a:p>
+        </p:txBody>
+      </p:sp>
+      <p:pic>
+        <p:nvPicPr>
+          <p:cNvPr id="8" name="Рисунок 7">
+            <a:extLst>
+              <a:ext uri="{FF2B5EF4-FFF2-40B4-BE49-F238E27FC236}">
+                <a16:creationId xmlns:a16="http://schemas.microsoft.com/office/drawing/2014/main" id="{48AAA3E0-3EF5-46F8-AC72-4404B2C97E44}"/>
+              </a:ext>
+            </a:extLst>
+          </p:cNvPr>
+          <p:cNvPicPr>
+            <a:picLocks noChangeAspect="1"/>
+          </p:cNvPicPr>
+          <p:nvPr/>
+        </p:nvPicPr>
+        <p:blipFill rotWithShape="1">
+          <a:blip r:embed="rId2"/>
+          <a:srcRect l="29609" t="66345" r="26641" b="10417"/>
+          <a:stretch/>
+        </p:blipFill>
+        <p:spPr>
+          <a:xfrm>
+            <a:off x="1456308" y="3586586"/>
+            <a:ext cx="8372475" cy="2501465"/>
+          </a:xfrm>
+          <a:prstGeom prst="rect">
+            <a:avLst/>
+          </a:prstGeom>
+        </p:spPr>
+      </p:pic>
+      <p:pic>
+        <p:nvPicPr>
+          <p:cNvPr id="18" name="Рисунок 17">
+            <a:extLst>
+              <a:ext uri="{FF2B5EF4-FFF2-40B4-BE49-F238E27FC236}">
+                <a16:creationId xmlns:a16="http://schemas.microsoft.com/office/drawing/2014/main" id="{EAB284D2-B6B9-4D14-B8AF-7506E625FEBF}"/>
+              </a:ext>
+            </a:extLst>
+          </p:cNvPr>
+          <p:cNvPicPr>
+            <a:picLocks noChangeAspect="1"/>
+          </p:cNvPicPr>
+          <p:nvPr/>
+        </p:nvPicPr>
+        <p:blipFill rotWithShape="1">
+          <a:blip r:embed="rId3"/>
+          <a:srcRect l="29845" t="61678" r="46640" b="31528"/>
+          <a:stretch/>
+        </p:blipFill>
+        <p:spPr>
+          <a:xfrm>
+            <a:off x="6061348" y="1980642"/>
+            <a:ext cx="4430603" cy="720000"/>
+          </a:xfrm>
+          <a:prstGeom prst="rect">
+            <a:avLst/>
+          </a:prstGeom>
+        </p:spPr>
+      </p:pic>
+      <p:pic>
+        <p:nvPicPr>
+          <p:cNvPr id="19" name="Рисунок 18">
+            <a:extLst>
+              <a:ext uri="{FF2B5EF4-FFF2-40B4-BE49-F238E27FC236}">
+                <a16:creationId xmlns:a16="http://schemas.microsoft.com/office/drawing/2014/main" id="{4A388C40-D3E7-474B-854A-40E0CBEB27E7}"/>
+              </a:ext>
+            </a:extLst>
+          </p:cNvPr>
+          <p:cNvPicPr>
+            <a:picLocks noChangeAspect="1"/>
+          </p:cNvPicPr>
+          <p:nvPr/>
+        </p:nvPicPr>
+        <p:blipFill rotWithShape="1">
+          <a:blip r:embed="rId3"/>
+          <a:srcRect l="29845" t="55157" r="46640" b="38083"/>
+          <a:stretch/>
+        </p:blipFill>
+        <p:spPr>
+          <a:xfrm>
+            <a:off x="1456308" y="1996519"/>
+            <a:ext cx="4452639" cy="720000"/>
+          </a:xfrm>
+          <a:prstGeom prst="rect">
+            <a:avLst/>
+          </a:prstGeom>
+        </p:spPr>
+      </p:pic>
+    </p:spTree>
+    <p:extLst>
+      <p:ext uri="{BB962C8B-B14F-4D97-AF65-F5344CB8AC3E}">
+        <p14:creationId xmlns:p14="http://schemas.microsoft.com/office/powerpoint/2010/main" val="2012557040"/>
+      </p:ext>
+    </p:extLst>
+  </p:cSld>
+  <p:clrMapOvr>
+    <a:masterClrMapping/>
+  </p:clrMapOvr>
+</p:sld>
+</file>
+
+<file path=ppt/slides/slide7.xml><?xml version="1.0" encoding="utf-8"?>
+<p:sld xmlns:a="http://schemas.openxmlformats.org/drawingml/2006/main" xmlns:r="http://schemas.openxmlformats.org/officeDocument/2006/relationships" xmlns:p="http://schemas.openxmlformats.org/presentationml/2006/main">
+  <p:cSld>
+    <p:spTree>
+      <p:nvGrpSpPr>
+        <p:cNvPr id="1" name=""/>
+        <p:cNvGrpSpPr/>
+        <p:nvPr/>
+      </p:nvGrpSpPr>
+      <p:grpSpPr>
+        <a:xfrm>
+          <a:off x="0" y="0"/>
+          <a:ext cx="0" cy="0"/>
+          <a:chOff x="0" y="0"/>
+          <a:chExt cx="0" cy="0"/>
+        </a:xfrm>
+      </p:grpSpPr>
+      <p:sp>
+        <p:nvSpPr>
+          <p:cNvPr id="2" name="Заголовок 1"/>
+          <p:cNvSpPr>
+            <a:spLocks noGrp="1"/>
+          </p:cNvSpPr>
+          <p:nvPr>
+            <p:ph type="title"/>
+          </p:nvPr>
+        </p:nvSpPr>
+        <p:spPr/>
+        <p:txBody>
+          <a:bodyPr/>
+          <a:lstStyle/>
+          <a:p>
+            <a:r>
+              <a:rPr lang="ru-RU" dirty="0"/>
+              <a:t>Модель данных</a:t>
+            </a:r>
+          </a:p>
+        </p:txBody>
+      </p:sp>
+      <p:sp>
+        <p:nvSpPr>
+          <p:cNvPr id="7" name="Объект 6">
+            <a:extLst>
+              <a:ext uri="{FF2B5EF4-FFF2-40B4-BE49-F238E27FC236}">
+                <a16:creationId xmlns:a16="http://schemas.microsoft.com/office/drawing/2014/main" id="{487122B7-ED60-482F-ADBF-710455B137AC}"/>
+              </a:ext>
+            </a:extLst>
+          </p:cNvPr>
+          <p:cNvSpPr>
+            <a:spLocks noGrp="1"/>
+          </p:cNvSpPr>
+          <p:nvPr>
+            <p:ph idx="1"/>
+          </p:nvPr>
+        </p:nvSpPr>
+        <p:spPr>
+          <a:xfrm>
+            <a:off x="1151507" y="1353243"/>
+            <a:ext cx="10202293" cy="1237557"/>
+          </a:xfrm>
+        </p:spPr>
+        <p:txBody>
+          <a:bodyPr>
+            <a:noAutofit/>
+          </a:bodyPr>
+          <a:lstStyle/>
+          <a:p>
+            <a:pPr marL="0" indent="0">
+              <a:buNone/>
+            </a:pPr>
+            <a:r>
+              <a:rPr lang="ru-RU" sz="2000" i="1" dirty="0"/>
+              <a:t>Пример для поиска: </a:t>
+            </a:r>
+          </a:p>
+          <a:p>
+            <a:pPr marL="0" indent="0">
+              <a:buNone/>
+            </a:pPr>
+            <a:r>
+              <a:rPr lang="ru-RU" sz="1800" i="1" dirty="0"/>
+              <a:t>«сбор данных из внутренних и внешних источников, подготовка данных к анализу, разработка моделей обработки и анализа данных, в том числе с применением алгоритмов машинного обучения в рамках аудиторских проверок.»</a:t>
+            </a:r>
+          </a:p>
+          <a:p>
+            <a:pPr marL="0" indent="0">
+              <a:buNone/>
+            </a:pPr>
+            <a:r>
+              <a:rPr lang="ru-RU" sz="2000" i="1" dirty="0"/>
+              <a:t>Результат поиска ТОП 10 подходящих вакансий</a:t>
+            </a:r>
+            <a:r>
+              <a:rPr lang="en-US" sz="2000" i="1" dirty="0"/>
+              <a:t> </a:t>
+            </a:r>
+            <a:r>
+              <a:rPr lang="ru-RU" sz="2000" i="1" dirty="0"/>
+              <a:t>в г. Екатеринбург:</a:t>
+            </a:r>
+          </a:p>
+        </p:txBody>
+      </p:sp>
+      <p:pic>
+        <p:nvPicPr>
+          <p:cNvPr id="10" name="Рисунок 9">
+            <a:extLst>
+              <a:ext uri="{FF2B5EF4-FFF2-40B4-BE49-F238E27FC236}">
+                <a16:creationId xmlns:a16="http://schemas.microsoft.com/office/drawing/2014/main" id="{BCF02961-A5F2-42F7-AF8C-0CCABE8FEA79}"/>
+              </a:ext>
+            </a:extLst>
+          </p:cNvPr>
+          <p:cNvPicPr>
+            <a:picLocks noChangeAspect="1"/>
+          </p:cNvPicPr>
+          <p:nvPr/>
+        </p:nvPicPr>
+        <p:blipFill rotWithShape="1">
+          <a:blip r:embed="rId2"/>
+          <a:srcRect l="23447" t="46731" r="41528" b="23236"/>
+          <a:stretch/>
+        </p:blipFill>
+        <p:spPr>
+          <a:xfrm>
+            <a:off x="1622670" y="3060282"/>
+            <a:ext cx="7599286" cy="3665354"/>
+          </a:xfrm>
+          <a:prstGeom prst="rect">
+            <a:avLst/>
+          </a:prstGeom>
+        </p:spPr>
+      </p:pic>
+    </p:spTree>
+    <p:extLst>
+      <p:ext uri="{BB962C8B-B14F-4D97-AF65-F5344CB8AC3E}">
+        <p14:creationId xmlns:p14="http://schemas.microsoft.com/office/powerpoint/2010/main" val="484067040"/>
+      </p:ext>
+    </p:extLst>
+  </p:cSld>
+  <p:clrMapOvr>
+    <a:masterClrMapping/>
+  </p:clrMapOvr>
+</p:sld>
+</file>
+
+<file path=ppt/slides/slide8.xml><?xml version="1.0" encoding="utf-8"?>
+<p:sld xmlns:a="http://schemas.openxmlformats.org/drawingml/2006/main" xmlns:r="http://schemas.openxmlformats.org/officeDocument/2006/relationships" xmlns:p="http://schemas.openxmlformats.org/presentationml/2006/main">
+  <p:cSld>
+    <p:spTree>
+      <p:nvGrpSpPr>
+        <p:cNvPr id="1" name=""/>
+        <p:cNvGrpSpPr/>
+        <p:nvPr/>
+      </p:nvGrpSpPr>
+      <p:grpSpPr>
+        <a:xfrm>
+          <a:off x="0" y="0"/>
+          <a:ext cx="0" cy="0"/>
+          <a:chOff x="0" y="0"/>
+          <a:chExt cx="0" cy="0"/>
+        </a:xfrm>
+      </p:grpSpPr>
+      <p:sp>
+        <p:nvSpPr>
+          <p:cNvPr id="2" name="Заголовок 1"/>
+          <p:cNvSpPr>
+            <a:spLocks noGrp="1"/>
+          </p:cNvSpPr>
+          <p:nvPr>
+            <p:ph type="title"/>
+          </p:nvPr>
+        </p:nvSpPr>
         <p:spPr>
           <a:xfrm>
             <a:off x="838200" y="355889"/>
@@ -3743,7 +4897,7 @@
         <p:spPr/>
         <p:txBody>
           <a:bodyPr>
-            <a:normAutofit lnSpcReduction="10000"/>
+            <a:normAutofit/>
           </a:bodyPr>
           <a:lstStyle/>
           <a:p>
@@ -3927,7 +5081,7 @@
           <a:p>
             <a:pPr lvl="1"/>
             <a:r>
-              <a:rPr lang="en-US" b="1" i="1" dirty="0">
+              <a:rPr lang="en-US" b="1" i="1" dirty="0" err="1">
                 <a:solidFill>
                   <a:schemeClr val="tx1">
                     <a:lumMod val="65000"/>
@@ -3935,10 +5089,10 @@
                   </a:schemeClr>
                 </a:solidFill>
               </a:rPr>
-              <a:t>from </a:t>
-            </a:r>
-            <a:r>
-              <a:rPr lang="en-US" b="1" i="1" dirty="0" err="1">
+              <a:t>Sklearn</a:t>
+            </a:r>
+            <a:r>
+              <a:rPr lang="en-US" b="1" i="1" dirty="0">
                 <a:solidFill>
                   <a:schemeClr val="tx1">
                     <a:lumMod val="65000"/>
@@ -3946,10 +5100,10 @@
                   </a:schemeClr>
                 </a:solidFill>
               </a:rPr>
-              <a:t>sklearn.feature_extraction.text</a:t>
-            </a:r>
-            <a:r>
-              <a:rPr lang="en-US" b="1" i="1" dirty="0">
+              <a:t> - </a:t>
+            </a:r>
+            <a:r>
+              <a:rPr lang="ru-RU" i="1" dirty="0">
                 <a:solidFill>
                   <a:schemeClr val="tx1">
                     <a:lumMod val="65000"/>
@@ -3957,10 +5111,10 @@
                   </a:schemeClr>
                 </a:solidFill>
               </a:rPr>
-              <a:t> import </a:t>
-            </a:r>
-            <a:r>
-              <a:rPr lang="en-US" b="1" i="1" dirty="0" err="1">
+              <a:t>для расчета частоты слов (</a:t>
+            </a:r>
+            <a:r>
+              <a:rPr lang="ru-RU" i="1" dirty="0" err="1">
                 <a:solidFill>
                   <a:schemeClr val="tx1">
                     <a:lumMod val="65000"/>
@@ -3971,7 +5125,7 @@
               <a:t>TfidfVectorizer</a:t>
             </a:r>
             <a:r>
-              <a:rPr lang="ru-RU" b="1" i="1" dirty="0">
+              <a:rPr lang="ru-RU" i="1" dirty="0">
                 <a:solidFill>
                   <a:schemeClr val="tx1">
                     <a:lumMod val="65000"/>
@@ -3979,139 +5133,7 @@
                   </a:schemeClr>
                 </a:solidFill>
               </a:rPr>
-              <a:t> </a:t>
-            </a:r>
-            <a:r>
-              <a:rPr lang="ru-RU" i="1" dirty="0">
-                <a:solidFill>
-                  <a:schemeClr val="tx1">
-                    <a:lumMod val="65000"/>
-                    <a:lumOff val="35000"/>
-                  </a:schemeClr>
-                </a:solidFill>
-              </a:rPr>
-              <a:t>- модуль для расчета частоты слов (</a:t>
-            </a:r>
-            <a:r>
-              <a:rPr lang="ru-RU" i="1" dirty="0" err="1">
-                <a:solidFill>
-                  <a:schemeClr val="tx1">
-                    <a:lumMod val="65000"/>
-                    <a:lumOff val="35000"/>
-                  </a:schemeClr>
-                </a:solidFill>
-              </a:rPr>
-              <a:t>TfidfVectorizer</a:t>
-            </a:r>
-            <a:r>
-              <a:rPr lang="ru-RU" i="1" dirty="0">
-                <a:solidFill>
-                  <a:schemeClr val="tx1">
-                    <a:lumMod val="65000"/>
-                    <a:lumOff val="35000"/>
-                  </a:schemeClr>
-                </a:solidFill>
-              </a:rPr>
-              <a:t>) из библиотеки </a:t>
-            </a:r>
-            <a:r>
-              <a:rPr lang="ru-RU" i="1" dirty="0" err="1">
-                <a:solidFill>
-                  <a:schemeClr val="tx1">
-                    <a:lumMod val="65000"/>
-                    <a:lumOff val="35000"/>
-                  </a:schemeClr>
-                </a:solidFill>
-              </a:rPr>
-              <a:t>sklearn</a:t>
-            </a:r>
-            <a:r>
-              <a:rPr lang="ru-RU" i="1" dirty="0">
-                <a:solidFill>
-                  <a:schemeClr val="tx1">
-                    <a:lumMod val="65000"/>
-                    <a:lumOff val="35000"/>
-                  </a:schemeClr>
-                </a:solidFill>
-              </a:rPr>
-              <a:t> </a:t>
-            </a:r>
-            <a:endParaRPr lang="en-US" i="1" dirty="0">
-              <a:solidFill>
-                <a:schemeClr val="tx1">
-                  <a:lumMod val="65000"/>
-                  <a:lumOff val="35000"/>
-                </a:schemeClr>
-              </a:solidFill>
-            </a:endParaRPr>
-          </a:p>
-          <a:p>
-            <a:pPr lvl="1"/>
-            <a:r>
-              <a:rPr lang="en-US" b="1" i="1" dirty="0">
-                <a:solidFill>
-                  <a:schemeClr val="tx1">
-                    <a:lumMod val="65000"/>
-                    <a:lumOff val="35000"/>
-                  </a:schemeClr>
-                </a:solidFill>
-              </a:rPr>
-              <a:t>from </a:t>
-            </a:r>
-            <a:r>
-              <a:rPr lang="en-US" b="1" i="1" dirty="0" err="1">
-                <a:solidFill>
-                  <a:schemeClr val="tx1">
-                    <a:lumMod val="65000"/>
-                    <a:lumOff val="35000"/>
-                  </a:schemeClr>
-                </a:solidFill>
-              </a:rPr>
-              <a:t>sklearn.metrics.pairwise</a:t>
-            </a:r>
-            <a:r>
-              <a:rPr lang="en-US" b="1" i="1" dirty="0">
-                <a:solidFill>
-                  <a:schemeClr val="tx1">
-                    <a:lumMod val="65000"/>
-                    <a:lumOff val="35000"/>
-                  </a:schemeClr>
-                </a:solidFill>
-              </a:rPr>
-              <a:t> import </a:t>
-            </a:r>
-            <a:r>
-              <a:rPr lang="en-US" b="1" i="1" dirty="0" err="1">
-                <a:solidFill>
-                  <a:schemeClr val="tx1">
-                    <a:lumMod val="65000"/>
-                    <a:lumOff val="35000"/>
-                  </a:schemeClr>
-                </a:solidFill>
-              </a:rPr>
-              <a:t>linear_kernel</a:t>
-            </a:r>
-            <a:r>
-              <a:rPr lang="ru-RU" b="1" i="1" dirty="0">
-                <a:solidFill>
-                  <a:schemeClr val="tx1">
-                    <a:lumMod val="65000"/>
-                    <a:lumOff val="35000"/>
-                  </a:schemeClr>
-                </a:solidFill>
-              </a:rPr>
-              <a:t> </a:t>
-            </a:r>
-            <a:r>
-              <a:rPr lang="ru-RU" i="1" dirty="0">
-                <a:solidFill>
-                  <a:schemeClr val="tx1">
-                    <a:lumMod val="65000"/>
-                    <a:lumOff val="35000"/>
-                  </a:schemeClr>
-                </a:solidFill>
-              </a:rPr>
-              <a:t>– модуль для расчета косинусного расстояния (метрика поиска схожих объектов)</a:t>
+              <a:t>) и расчета косинусного расстояния (метрика поиска схожих объектов)</a:t>
             </a:r>
           </a:p>
         </p:txBody>
@@ -4129,7 +5151,7 @@
 </p:sld>
 </file>
 
-<file path=ppt/slides/slide7.xml><?xml version="1.0" encoding="utf-8"?>
+<file path=ppt/slides/slide9.xml><?xml version="1.0" encoding="utf-8"?>
 <p:sld xmlns:a="http://schemas.openxmlformats.org/drawingml/2006/main" xmlns:r="http://schemas.openxmlformats.org/officeDocument/2006/relationships" xmlns:p="http://schemas.openxmlformats.org/presentationml/2006/main">
   <p:cSld>
     <p:spTree>

--- a/ПЕРЕЗАПУСК_Защита проекта.pptx
+++ b/ПЕРЕЗАПУСК_Защита проекта.pptx
@@ -1006,7 +1006,7 @@
           <a:p>
             <a:fld id="{4583FB6F-ACA5-4987-9D7D-422181772236}" type="datetimeFigureOut">
               <a:rPr lang="ru-RU" smtClean="0"/>
-              <a:t>26.10.2021</a:t>
+              <a:t>28.10.2021</a:t>
             </a:fld>
             <a:endParaRPr lang="ru-RU"/>
           </a:p>
@@ -2112,7 +2112,7 @@
           <a:p>
             <a:fld id="{4583FB6F-ACA5-4987-9D7D-422181772236}" type="datetimeFigureOut">
               <a:rPr lang="ru-RU" smtClean="0"/>
-              <a:t>26.10.2021</a:t>
+              <a:t>28.10.2021</a:t>
             </a:fld>
             <a:endParaRPr lang="ru-RU"/>
           </a:p>
@@ -2323,7 +2323,7 @@
           <a:p>
             <a:fld id="{4583FB6F-ACA5-4987-9D7D-422181772236}" type="datetimeFigureOut">
               <a:rPr lang="ru-RU" smtClean="0"/>
-              <a:t>26.10.2021</a:t>
+              <a:t>28.10.2021</a:t>
             </a:fld>
             <a:endParaRPr lang="ru-RU"/>
           </a:p>
@@ -3127,7 +3127,7 @@
                   </a:schemeClr>
                 </a:solidFill>
               </a:rPr>
-              <a:t>Екатеринбург, готовность к переезду - нет</a:t>
+              <a:t>г. Екатеринбург, готовность к переезду - нет</a:t>
             </a:r>
           </a:p>
           <a:p>
@@ -3140,12 +3140,10 @@
                   </a:schemeClr>
                 </a:solidFill>
               </a:rPr>
-              <a:t>Высшее</a:t>
-            </a:r>
-          </a:p>
-          <a:p>
-            <a:r>
-              <a:rPr lang="ru-RU" i="1" dirty="0">
+              <a:t>Высшее УРТИСИ, Экономист-</a:t>
+            </a:r>
+            <a:r>
+              <a:rPr lang="ru-RU" i="1" dirty="0" err="1">
                 <a:solidFill>
                   <a:schemeClr val="tx1">
                     <a:lumMod val="65000"/>
@@ -3153,7 +3151,28 @@
                   </a:schemeClr>
                 </a:solidFill>
               </a:rPr>
-              <a:t>ПЦП ЕРКЦ г. Екатеринбург, аналитик отдела административной поддержки, ведение табеля по подразделению</a:t>
+              <a:t>манеджер</a:t>
+            </a:r>
+            <a:endParaRPr lang="ru-RU" i="1" dirty="0">
+              <a:solidFill>
+                <a:schemeClr val="tx1">
+                  <a:lumMod val="65000"/>
+                  <a:lumOff val="35000"/>
+                </a:schemeClr>
+              </a:solidFill>
+            </a:endParaRPr>
+          </a:p>
+          <a:p>
+            <a:r>
+              <a:rPr lang="ru-RU" i="1" dirty="0">
+                <a:solidFill>
+                  <a:schemeClr val="tx1">
+                    <a:lumMod val="65000"/>
+                    <a:lumOff val="35000"/>
+                  </a:schemeClr>
+                </a:solidFill>
+              </a:rPr>
+              <a:t>ПЦП ЕРКЦ г. Екатеринбург, аналитик отдела административной поддержки, ведение табеля по подразделению, работа с кадровой отчетностью</a:t>
             </a:r>
           </a:p>
           <a:p>
@@ -3366,7 +3385,7 @@
         <p:spPr/>
         <p:txBody>
           <a:bodyPr>
-            <a:normAutofit lnSpcReduction="10000"/>
+            <a:normAutofit/>
           </a:bodyPr>
           <a:lstStyle/>
           <a:p>
@@ -3379,7 +3398,7 @@
                   </a:schemeClr>
                 </a:solidFill>
               </a:rPr>
-              <a:t>Выгрузка описаний вакансий </a:t>
+              <a:t>Выгрузка вакансий </a:t>
             </a:r>
             <a:r>
               <a:rPr lang="ru-RU" i="1" dirty="0" err="1">
@@ -3401,7 +3420,7 @@
                   </a:schemeClr>
                 </a:solidFill>
               </a:rPr>
-              <a:t> в г. Екатеринбург с сайта</a:t>
+              <a:t> с сайта</a:t>
             </a:r>
             <a:r>
               <a:rPr lang="en-US" i="1" dirty="0">
@@ -3664,13 +3683,13 @@
         </p:nvPicPr>
         <p:blipFill rotWithShape="1">
           <a:blip r:embed="rId2"/>
-          <a:srcRect l="29491" t="22784" r="41627" b="68266"/>
+          <a:srcRect l="29491" t="22783" r="41627" b="66288"/>
           <a:stretch/>
         </p:blipFill>
         <p:spPr>
           <a:xfrm>
-            <a:off x="1134673" y="1778683"/>
-            <a:ext cx="4990319" cy="869895"/>
+            <a:off x="1151507" y="1686925"/>
+            <a:ext cx="4990319" cy="1062172"/>
           </a:xfrm>
           <a:prstGeom prst="rect">
             <a:avLst/>
@@ -3722,7 +3741,7 @@
         </p:nvSpPr>
         <p:spPr>
           <a:xfrm>
-            <a:off x="1134673" y="2708731"/>
+            <a:off x="1134673" y="2749097"/>
             <a:ext cx="10202293" cy="408738"/>
           </a:xfrm>
           <a:prstGeom prst="rect">
@@ -4767,7 +4786,7 @@
             </a:pPr>
             <a:r>
               <a:rPr lang="ru-RU" sz="2000" i="1" dirty="0"/>
-              <a:t>Пример для поиска: </a:t>
+              <a:t>Пример - текст для поиска: </a:t>
             </a:r>
           </a:p>
           <a:p>

--- a/ПЕРЕЗАПУСК_Защита проекта.pptx
+++ b/ПЕРЕЗАПУСК_Защита проекта.pptx
@@ -3127,7 +3127,7 @@
                   </a:schemeClr>
                 </a:solidFill>
               </a:rPr>
-              <a:t>г. Екатеринбург, готовность к переезду - нет</a:t>
+              <a:t>г. Екатеринбург, к переезду пока не готова</a:t>
             </a:r>
           </a:p>
           <a:p>
@@ -3140,27 +3140,8 @@
                   </a:schemeClr>
                 </a:solidFill>
               </a:rPr>
-              <a:t>Высшее УРТИСИ, Экономист-</a:t>
-            </a:r>
-            <a:r>
-              <a:rPr lang="ru-RU" i="1" dirty="0" err="1">
-                <a:solidFill>
-                  <a:schemeClr val="tx1">
-                    <a:lumMod val="65000"/>
-                    <a:lumOff val="35000"/>
-                  </a:schemeClr>
-                </a:solidFill>
-              </a:rPr>
-              <a:t>манеджер</a:t>
-            </a:r>
-            <a:endParaRPr lang="ru-RU" i="1" dirty="0">
-              <a:solidFill>
-                <a:schemeClr val="tx1">
-                  <a:lumMod val="65000"/>
-                  <a:lumOff val="35000"/>
-                </a:schemeClr>
-              </a:solidFill>
-            </a:endParaRPr>
+              <a:t>Высшее образование УРТИСИ, Экономист-менеджер</a:t>
+            </a:r>
           </a:p>
           <a:p>
             <a:r>
@@ -4998,7 +4979,7 @@
                   </a:schemeClr>
                 </a:solidFill>
               </a:rPr>
-              <a:t>import re</a:t>
+              <a:t>re</a:t>
             </a:r>
             <a:r>
               <a:rPr lang="ru-RU" b="1" i="1" dirty="0">
